--- a/SO1 Final.pptx
+++ b/SO1 Final.pptx
@@ -108,6 +108,11 @@
       </a:defRPr>
     </a:lvl9pPr>
   </p:defaultTextStyle>
+  <p:extLst>
+    <p:ext uri="{EFAFB233-063F-42B5-8137-9DF3F51BA10A}">
+      <p15:sldGuideLst xmlns:p15="http://schemas.microsoft.com/office/powerpoint/2012/main"/>
+    </p:ext>
+  </p:extLst>
 </p:presentation>
 </file>
 
@@ -297,7 +302,7 @@
           <a:p>
             <a:fld id="{60A2BEE7-62B2-4A67-9A42-4A8F9AAB17C8}" type="datetimeFigureOut">
               <a:rPr lang="es-ES" smtClean="0"/>
-              <a:t>09/11/2020</a:t>
+              <a:t>15/11/2020</a:t>
             </a:fld>
             <a:endParaRPr lang="es-ES"/>
           </a:p>
@@ -572,7 +577,7 @@
           <a:p>
             <a:fld id="{60A2BEE7-62B2-4A67-9A42-4A8F9AAB17C8}" type="datetimeFigureOut">
               <a:rPr lang="es-ES" smtClean="0"/>
-              <a:t>09/11/2020</a:t>
+              <a:t>15/11/2020</a:t>
             </a:fld>
             <a:endParaRPr lang="es-ES"/>
           </a:p>
@@ -766,7 +771,7 @@
           <a:p>
             <a:fld id="{60A2BEE7-62B2-4A67-9A42-4A8F9AAB17C8}" type="datetimeFigureOut">
               <a:rPr lang="es-ES" smtClean="0"/>
-              <a:t>09/11/2020</a:t>
+              <a:t>15/11/2020</a:t>
             </a:fld>
             <a:endParaRPr lang="es-ES"/>
           </a:p>
@@ -1039,7 +1044,7 @@
           <a:p>
             <a:fld id="{60A2BEE7-62B2-4A67-9A42-4A8F9AAB17C8}" type="datetimeFigureOut">
               <a:rPr lang="es-ES" smtClean="0"/>
-              <a:t>09/11/2020</a:t>
+              <a:t>15/11/2020</a:t>
             </a:fld>
             <a:endParaRPr lang="es-ES"/>
           </a:p>
@@ -1380,7 +1385,7 @@
           <a:p>
             <a:fld id="{60A2BEE7-62B2-4A67-9A42-4A8F9AAB17C8}" type="datetimeFigureOut">
               <a:rPr lang="es-ES" smtClean="0"/>
-              <a:t>09/11/2020</a:t>
+              <a:t>15/11/2020</a:t>
             </a:fld>
             <a:endParaRPr lang="es-ES"/>
           </a:p>
@@ -2003,7 +2008,7 @@
           <a:p>
             <a:fld id="{60A2BEE7-62B2-4A67-9A42-4A8F9AAB17C8}" type="datetimeFigureOut">
               <a:rPr lang="es-ES" smtClean="0"/>
-              <a:t>09/11/2020</a:t>
+              <a:t>15/11/2020</a:t>
             </a:fld>
             <a:endParaRPr lang="es-ES"/>
           </a:p>
@@ -2863,7 +2868,7 @@
           <a:p>
             <a:fld id="{60A2BEE7-62B2-4A67-9A42-4A8F9AAB17C8}" type="datetimeFigureOut">
               <a:rPr lang="es-ES" smtClean="0"/>
-              <a:t>09/11/2020</a:t>
+              <a:t>15/11/2020</a:t>
             </a:fld>
             <a:endParaRPr lang="es-ES"/>
           </a:p>
@@ -3033,7 +3038,7 @@
           <a:p>
             <a:fld id="{60A2BEE7-62B2-4A67-9A42-4A8F9AAB17C8}" type="datetimeFigureOut">
               <a:rPr lang="es-ES" smtClean="0"/>
-              <a:t>09/11/2020</a:t>
+              <a:t>15/11/2020</a:t>
             </a:fld>
             <a:endParaRPr lang="es-ES"/>
           </a:p>
@@ -3213,7 +3218,7 @@
           <a:p>
             <a:fld id="{60A2BEE7-62B2-4A67-9A42-4A8F9AAB17C8}" type="datetimeFigureOut">
               <a:rPr lang="es-ES" smtClean="0"/>
-              <a:t>09/11/2020</a:t>
+              <a:t>15/11/2020</a:t>
             </a:fld>
             <a:endParaRPr lang="es-ES"/>
           </a:p>
@@ -3383,7 +3388,7 @@
           <a:p>
             <a:fld id="{60A2BEE7-62B2-4A67-9A42-4A8F9AAB17C8}" type="datetimeFigureOut">
               <a:rPr lang="es-ES" smtClean="0"/>
-              <a:t>09/11/2020</a:t>
+              <a:t>15/11/2020</a:t>
             </a:fld>
             <a:endParaRPr lang="es-ES"/>
           </a:p>
@@ -3630,7 +3635,7 @@
           <a:p>
             <a:fld id="{60A2BEE7-62B2-4A67-9A42-4A8F9AAB17C8}" type="datetimeFigureOut">
               <a:rPr lang="es-ES" smtClean="0"/>
-              <a:t>09/11/2020</a:t>
+              <a:t>15/11/2020</a:t>
             </a:fld>
             <a:endParaRPr lang="es-ES"/>
           </a:p>
@@ -3922,7 +3927,7 @@
           <a:p>
             <a:fld id="{60A2BEE7-62B2-4A67-9A42-4A8F9AAB17C8}" type="datetimeFigureOut">
               <a:rPr lang="es-ES" smtClean="0"/>
-              <a:t>09/11/2020</a:t>
+              <a:t>15/11/2020</a:t>
             </a:fld>
             <a:endParaRPr lang="es-ES"/>
           </a:p>
@@ -4366,7 +4371,7 @@
           <a:p>
             <a:fld id="{60A2BEE7-62B2-4A67-9A42-4A8F9AAB17C8}" type="datetimeFigureOut">
               <a:rPr lang="es-ES" smtClean="0"/>
-              <a:t>09/11/2020</a:t>
+              <a:t>15/11/2020</a:t>
             </a:fld>
             <a:endParaRPr lang="es-ES"/>
           </a:p>
@@ -4484,7 +4489,7 @@
           <a:p>
             <a:fld id="{60A2BEE7-62B2-4A67-9A42-4A8F9AAB17C8}" type="datetimeFigureOut">
               <a:rPr lang="es-ES" smtClean="0"/>
-              <a:t>09/11/2020</a:t>
+              <a:t>15/11/2020</a:t>
             </a:fld>
             <a:endParaRPr lang="es-ES"/>
           </a:p>
@@ -4579,7 +4584,7 @@
           <a:p>
             <a:fld id="{60A2BEE7-62B2-4A67-9A42-4A8F9AAB17C8}" type="datetimeFigureOut">
               <a:rPr lang="es-ES" smtClean="0"/>
-              <a:t>09/11/2020</a:t>
+              <a:t>15/11/2020</a:t>
             </a:fld>
             <a:endParaRPr lang="es-ES"/>
           </a:p>
@@ -4858,7 +4863,7 @@
           <a:p>
             <a:fld id="{60A2BEE7-62B2-4A67-9A42-4A8F9AAB17C8}" type="datetimeFigureOut">
               <a:rPr lang="es-ES" smtClean="0"/>
-              <a:t>09/11/2020</a:t>
+              <a:t>15/11/2020</a:t>
             </a:fld>
             <a:endParaRPr lang="es-ES"/>
           </a:p>
@@ -5133,7 +5138,7 @@
           <a:p>
             <a:fld id="{60A2BEE7-62B2-4A67-9A42-4A8F9AAB17C8}" type="datetimeFigureOut">
               <a:rPr lang="es-ES" smtClean="0"/>
-              <a:t>09/11/2020</a:t>
+              <a:t>15/11/2020</a:t>
             </a:fld>
             <a:endParaRPr lang="es-ES"/>
           </a:p>
@@ -5562,7 +5567,7 @@
           <a:p>
             <a:fld id="{60A2BEE7-62B2-4A67-9A42-4A8F9AAB17C8}" type="datetimeFigureOut">
               <a:rPr lang="es-ES" smtClean="0"/>
-              <a:t>09/11/2020</a:t>
+              <a:t>15/11/2020</a:t>
             </a:fld>
             <a:endParaRPr lang="es-ES"/>
           </a:p>
@@ -6432,10 +6437,10 @@
       </p:sp>
       <p:pic>
         <p:nvPicPr>
-          <p:cNvPr id="5" name="Marcador de contenido 4">
+          <p:cNvPr id="7" name="Marcador de contenido 6">
             <a:extLst>
               <a:ext uri="{FF2B5EF4-FFF2-40B4-BE49-F238E27FC236}">
-                <a16:creationId xmlns:a16="http://schemas.microsoft.com/office/drawing/2014/main" id="{139165D2-646D-4582-9B7B-CF768777DE02}"/>
+                <a16:creationId xmlns:a16="http://schemas.microsoft.com/office/drawing/2014/main" id="{F194F94B-6632-4159-8D7D-4C3D5012F42E}"/>
               </a:ext>
             </a:extLst>
           </p:cNvPr>
@@ -6460,8 +6465,8 @@
         </p:blipFill>
         <p:spPr>
           <a:xfrm>
-            <a:off x="1041498" y="1730661"/>
-            <a:ext cx="10236102" cy="4674621"/>
+            <a:off x="1103313" y="1853248"/>
+            <a:ext cx="10021434" cy="4149699"/>
           </a:xfrm>
         </p:spPr>
       </p:pic>
@@ -6584,19 +6589,11 @@
             </a:r>
             <a:r>
               <a:rPr lang="es-GT" sz="3200" dirty="0"/>
-              <a:t>: html5, </a:t>
+              <a:t>: </a:t>
             </a:r>
             <a:r>
               <a:rPr lang="es-GT" sz="3200" dirty="0" err="1"/>
-              <a:t>css</a:t>
-            </a:r>
-            <a:r>
-              <a:rPr lang="es-GT" sz="3200" dirty="0"/>
-              <a:t> y  </a:t>
-            </a:r>
-            <a:r>
-              <a:rPr lang="es-GT" sz="3200" dirty="0" err="1"/>
-              <a:t>javascript</a:t>
+              <a:t>React</a:t>
             </a:r>
             <a:endParaRPr lang="es-GT" sz="3200" dirty="0"/>
           </a:p>
@@ -6611,7 +6608,7 @@
             </a:r>
             <a:r>
               <a:rPr lang="es-GT" sz="3200" dirty="0" err="1"/>
-              <a:t>kubernetes</a:t>
+              <a:t>Kubernetes</a:t>
             </a:r>
             <a:r>
               <a:rPr lang="es-GT" sz="3200" dirty="0"/>
@@ -6619,7 +6616,7 @@
             </a:r>
             <a:r>
               <a:rPr lang="es-GT" sz="3200" dirty="0" err="1"/>
-              <a:t>nginx</a:t>
+              <a:t>Engine</a:t>
             </a:r>
             <a:r>
               <a:rPr lang="es-GT" sz="3200" dirty="0"/>

--- a/SO1 Final.pptx
+++ b/SO1 Final.pptx
@@ -8,8 +8,9 @@
     <p:sldId id="256" r:id="rId2"/>
     <p:sldId id="260" r:id="rId3"/>
     <p:sldId id="257" r:id="rId4"/>
-    <p:sldId id="259" r:id="rId5"/>
-    <p:sldId id="258" r:id="rId6"/>
+    <p:sldId id="261" r:id="rId5"/>
+    <p:sldId id="259" r:id="rId6"/>
+    <p:sldId id="258" r:id="rId7"/>
   </p:sldIdLst>
   <p:sldSz cx="12192000" cy="6858000"/>
   <p:notesSz cx="6858000" cy="9144000"/>
@@ -302,7 +303,7 @@
           <a:p>
             <a:fld id="{60A2BEE7-62B2-4A67-9A42-4A8F9AAB17C8}" type="datetimeFigureOut">
               <a:rPr lang="es-ES" smtClean="0"/>
-              <a:t>15/11/2020</a:t>
+              <a:t>16/11/2020</a:t>
             </a:fld>
             <a:endParaRPr lang="es-ES"/>
           </a:p>
@@ -577,7 +578,7 @@
           <a:p>
             <a:fld id="{60A2BEE7-62B2-4A67-9A42-4A8F9AAB17C8}" type="datetimeFigureOut">
               <a:rPr lang="es-ES" smtClean="0"/>
-              <a:t>15/11/2020</a:t>
+              <a:t>16/11/2020</a:t>
             </a:fld>
             <a:endParaRPr lang="es-ES"/>
           </a:p>
@@ -771,7 +772,7 @@
           <a:p>
             <a:fld id="{60A2BEE7-62B2-4A67-9A42-4A8F9AAB17C8}" type="datetimeFigureOut">
               <a:rPr lang="es-ES" smtClean="0"/>
-              <a:t>15/11/2020</a:t>
+              <a:t>16/11/2020</a:t>
             </a:fld>
             <a:endParaRPr lang="es-ES"/>
           </a:p>
@@ -1044,7 +1045,7 @@
           <a:p>
             <a:fld id="{60A2BEE7-62B2-4A67-9A42-4A8F9AAB17C8}" type="datetimeFigureOut">
               <a:rPr lang="es-ES" smtClean="0"/>
-              <a:t>15/11/2020</a:t>
+              <a:t>16/11/2020</a:t>
             </a:fld>
             <a:endParaRPr lang="es-ES"/>
           </a:p>
@@ -1385,7 +1386,7 @@
           <a:p>
             <a:fld id="{60A2BEE7-62B2-4A67-9A42-4A8F9AAB17C8}" type="datetimeFigureOut">
               <a:rPr lang="es-ES" smtClean="0"/>
-              <a:t>15/11/2020</a:t>
+              <a:t>16/11/2020</a:t>
             </a:fld>
             <a:endParaRPr lang="es-ES"/>
           </a:p>
@@ -2008,7 +2009,7 @@
           <a:p>
             <a:fld id="{60A2BEE7-62B2-4A67-9A42-4A8F9AAB17C8}" type="datetimeFigureOut">
               <a:rPr lang="es-ES" smtClean="0"/>
-              <a:t>15/11/2020</a:t>
+              <a:t>16/11/2020</a:t>
             </a:fld>
             <a:endParaRPr lang="es-ES"/>
           </a:p>
@@ -2868,7 +2869,7 @@
           <a:p>
             <a:fld id="{60A2BEE7-62B2-4A67-9A42-4A8F9AAB17C8}" type="datetimeFigureOut">
               <a:rPr lang="es-ES" smtClean="0"/>
-              <a:t>15/11/2020</a:t>
+              <a:t>16/11/2020</a:t>
             </a:fld>
             <a:endParaRPr lang="es-ES"/>
           </a:p>
@@ -3038,7 +3039,7 @@
           <a:p>
             <a:fld id="{60A2BEE7-62B2-4A67-9A42-4A8F9AAB17C8}" type="datetimeFigureOut">
               <a:rPr lang="es-ES" smtClean="0"/>
-              <a:t>15/11/2020</a:t>
+              <a:t>16/11/2020</a:t>
             </a:fld>
             <a:endParaRPr lang="es-ES"/>
           </a:p>
@@ -3218,7 +3219,7 @@
           <a:p>
             <a:fld id="{60A2BEE7-62B2-4A67-9A42-4A8F9AAB17C8}" type="datetimeFigureOut">
               <a:rPr lang="es-ES" smtClean="0"/>
-              <a:t>15/11/2020</a:t>
+              <a:t>16/11/2020</a:t>
             </a:fld>
             <a:endParaRPr lang="es-ES"/>
           </a:p>
@@ -3388,7 +3389,7 @@
           <a:p>
             <a:fld id="{60A2BEE7-62B2-4A67-9A42-4A8F9AAB17C8}" type="datetimeFigureOut">
               <a:rPr lang="es-ES" smtClean="0"/>
-              <a:t>15/11/2020</a:t>
+              <a:t>16/11/2020</a:t>
             </a:fld>
             <a:endParaRPr lang="es-ES"/>
           </a:p>
@@ -3635,7 +3636,7 @@
           <a:p>
             <a:fld id="{60A2BEE7-62B2-4A67-9A42-4A8F9AAB17C8}" type="datetimeFigureOut">
               <a:rPr lang="es-ES" smtClean="0"/>
-              <a:t>15/11/2020</a:t>
+              <a:t>16/11/2020</a:t>
             </a:fld>
             <a:endParaRPr lang="es-ES"/>
           </a:p>
@@ -3927,7 +3928,7 @@
           <a:p>
             <a:fld id="{60A2BEE7-62B2-4A67-9A42-4A8F9AAB17C8}" type="datetimeFigureOut">
               <a:rPr lang="es-ES" smtClean="0"/>
-              <a:t>15/11/2020</a:t>
+              <a:t>16/11/2020</a:t>
             </a:fld>
             <a:endParaRPr lang="es-ES"/>
           </a:p>
@@ -4371,7 +4372,7 @@
           <a:p>
             <a:fld id="{60A2BEE7-62B2-4A67-9A42-4A8F9AAB17C8}" type="datetimeFigureOut">
               <a:rPr lang="es-ES" smtClean="0"/>
-              <a:t>15/11/2020</a:t>
+              <a:t>16/11/2020</a:t>
             </a:fld>
             <a:endParaRPr lang="es-ES"/>
           </a:p>
@@ -4489,7 +4490,7 @@
           <a:p>
             <a:fld id="{60A2BEE7-62B2-4A67-9A42-4A8F9AAB17C8}" type="datetimeFigureOut">
               <a:rPr lang="es-ES" smtClean="0"/>
-              <a:t>15/11/2020</a:t>
+              <a:t>16/11/2020</a:t>
             </a:fld>
             <a:endParaRPr lang="es-ES"/>
           </a:p>
@@ -4584,7 +4585,7 @@
           <a:p>
             <a:fld id="{60A2BEE7-62B2-4A67-9A42-4A8F9AAB17C8}" type="datetimeFigureOut">
               <a:rPr lang="es-ES" smtClean="0"/>
-              <a:t>15/11/2020</a:t>
+              <a:t>16/11/2020</a:t>
             </a:fld>
             <a:endParaRPr lang="es-ES"/>
           </a:p>
@@ -4863,7 +4864,7 @@
           <a:p>
             <a:fld id="{60A2BEE7-62B2-4A67-9A42-4A8F9AAB17C8}" type="datetimeFigureOut">
               <a:rPr lang="es-ES" smtClean="0"/>
-              <a:t>15/11/2020</a:t>
+              <a:t>16/11/2020</a:t>
             </a:fld>
             <a:endParaRPr lang="es-ES"/>
           </a:p>
@@ -5138,7 +5139,7 @@
           <a:p>
             <a:fld id="{60A2BEE7-62B2-4A67-9A42-4A8F9AAB17C8}" type="datetimeFigureOut">
               <a:rPr lang="es-ES" smtClean="0"/>
-              <a:t>15/11/2020</a:t>
+              <a:t>16/11/2020</a:t>
             </a:fld>
             <a:endParaRPr lang="es-ES"/>
           </a:p>
@@ -5567,7 +5568,7 @@
           <a:p>
             <a:fld id="{60A2BEE7-62B2-4A67-9A42-4A8F9AAB17C8}" type="datetimeFigureOut">
               <a:rPr lang="es-ES" smtClean="0"/>
-              <a:t>15/11/2020</a:t>
+              <a:t>16/11/2020</a:t>
             </a:fld>
             <a:endParaRPr lang="es-ES"/>
           </a:p>
@@ -6411,6 +6412,93 @@
           <p:cNvPr id="2" name="Título 1">
             <a:extLst>
               <a:ext uri="{FF2B5EF4-FFF2-40B4-BE49-F238E27FC236}">
+                <a16:creationId xmlns:a16="http://schemas.microsoft.com/office/drawing/2014/main" id="{CA78B73D-44FA-456E-BB49-A894D14C52CE}"/>
+              </a:ext>
+            </a:extLst>
+          </p:cNvPr>
+          <p:cNvSpPr>
+            <a:spLocks noGrp="1"/>
+          </p:cNvSpPr>
+          <p:nvPr>
+            <p:ph type="title"/>
+          </p:nvPr>
+        </p:nvSpPr>
+        <p:spPr/>
+        <p:txBody>
+          <a:bodyPr/>
+          <a:lstStyle/>
+          <a:p>
+            <a:r>
+              <a:rPr lang="es-GT" dirty="0"/>
+              <a:t>URL de la pagina web </a:t>
+            </a:r>
+            <a:endParaRPr lang="es-ES" dirty="0"/>
+          </a:p>
+        </p:txBody>
+      </p:sp>
+      <p:sp>
+        <p:nvSpPr>
+          <p:cNvPr id="3" name="Marcador de texto 2">
+            <a:extLst>
+              <a:ext uri="{FF2B5EF4-FFF2-40B4-BE49-F238E27FC236}">
+                <a16:creationId xmlns:a16="http://schemas.microsoft.com/office/drawing/2014/main" id="{67687FF7-AB5B-44D6-8E85-45ABD36EEB21}"/>
+              </a:ext>
+            </a:extLst>
+          </p:cNvPr>
+          <p:cNvSpPr>
+            <a:spLocks noGrp="1"/>
+          </p:cNvSpPr>
+          <p:nvPr>
+            <p:ph type="body" idx="1"/>
+          </p:nvPr>
+        </p:nvSpPr>
+        <p:spPr/>
+        <p:txBody>
+          <a:bodyPr/>
+          <a:lstStyle/>
+          <a:p>
+            <a:r>
+              <a:rPr lang="es-ES" dirty="0"/>
+              <a:t>http://34.67.231.97:3000/SignUp</a:t>
+            </a:r>
+          </a:p>
+        </p:txBody>
+      </p:sp>
+    </p:spTree>
+    <p:extLst>
+      <p:ext uri="{BB962C8B-B14F-4D97-AF65-F5344CB8AC3E}">
+        <p14:creationId xmlns:p14="http://schemas.microsoft.com/office/powerpoint/2010/main" val="1512864534"/>
+      </p:ext>
+    </p:extLst>
+  </p:cSld>
+  <p:clrMapOvr>
+    <a:masterClrMapping/>
+  </p:clrMapOvr>
+</p:sld>
+</file>
+
+<file path=ppt/slides/slide5.xml><?xml version="1.0" encoding="utf-8"?>
+<p:sld xmlns:a="http://schemas.openxmlformats.org/drawingml/2006/main" xmlns:r="http://schemas.openxmlformats.org/officeDocument/2006/relationships" xmlns:p="http://schemas.openxmlformats.org/presentationml/2006/main">
+  <p:cSld>
+    <p:spTree>
+      <p:nvGrpSpPr>
+        <p:cNvPr id="1" name=""/>
+        <p:cNvGrpSpPr/>
+        <p:nvPr/>
+      </p:nvGrpSpPr>
+      <p:grpSpPr>
+        <a:xfrm>
+          <a:off x="0" y="0"/>
+          <a:ext cx="0" cy="0"/>
+          <a:chOff x="0" y="0"/>
+          <a:chExt cx="0" cy="0"/>
+        </a:xfrm>
+      </p:grpSpPr>
+      <p:sp>
+        <p:nvSpPr>
+          <p:cNvPr id="2" name="Título 1">
+            <a:extLst>
+              <a:ext uri="{FF2B5EF4-FFF2-40B4-BE49-F238E27FC236}">
                 <a16:creationId xmlns:a16="http://schemas.microsoft.com/office/drawing/2014/main" id="{3B2B3039-7F21-4203-88CB-55D518489E33}"/>
               </a:ext>
             </a:extLst>
@@ -6483,7 +6571,7 @@
 </p:sld>
 </file>
 
-<file path=ppt/slides/slide5.xml><?xml version="1.0" encoding="utf-8"?>
+<file path=ppt/slides/slide6.xml><?xml version="1.0" encoding="utf-8"?>
 <p:sld xmlns:a="http://schemas.openxmlformats.org/drawingml/2006/main" xmlns:r="http://schemas.openxmlformats.org/officeDocument/2006/relationships" xmlns:p="http://schemas.openxmlformats.org/presentationml/2006/main">
   <p:cSld>
     <p:spTree>
